--- a/PST3.pptx
+++ b/PST3.pptx
@@ -5,21 +5,22 @@
     <p:sldMasterId id="2147483648" r:id="rId1"/>
   </p:sldMasterIdLst>
   <p:notesMasterIdLst>
-    <p:notesMasterId r:id="rId11"/>
+    <p:notesMasterId r:id="rId12"/>
   </p:notesMasterIdLst>
   <p:handoutMasterIdLst>
-    <p:handoutMasterId r:id="rId12"/>
+    <p:handoutMasterId r:id="rId13"/>
   </p:handoutMasterIdLst>
   <p:sldIdLst>
     <p:sldId id="258" r:id="rId2"/>
     <p:sldId id="260" r:id="rId3"/>
     <p:sldId id="262" r:id="rId4"/>
     <p:sldId id="265" r:id="rId5"/>
-    <p:sldId id="263" r:id="rId6"/>
-    <p:sldId id="269" r:id="rId7"/>
-    <p:sldId id="270" r:id="rId8"/>
-    <p:sldId id="266" r:id="rId9"/>
-    <p:sldId id="268" r:id="rId10"/>
+    <p:sldId id="271" r:id="rId6"/>
+    <p:sldId id="263" r:id="rId7"/>
+    <p:sldId id="269" r:id="rId8"/>
+    <p:sldId id="270" r:id="rId9"/>
+    <p:sldId id="266" r:id="rId10"/>
+    <p:sldId id="268" r:id="rId11"/>
   </p:sldIdLst>
   <p:sldSz cx="12192000" cy="6858000"/>
   <p:notesSz cx="6858000" cy="9144000"/>
@@ -1306,7 +1307,7 @@
         <a:p>
           <a:r>
             <a:rPr lang="en-US" dirty="0" smtClean="0"/>
-            <a:t>Allocate rules</a:t>
+            <a:t>Define rules of the game</a:t>
           </a:r>
           <a:endParaRPr lang="en-US" dirty="0"/>
         </a:p>
@@ -1667,7 +1668,7 @@
           </a:pPr>
           <a:r>
             <a:rPr lang="en-US" sz="2300" kern="1200" dirty="0" smtClean="0"/>
-            <a:t>Allocate rules</a:t>
+            <a:t>Define rules of the game</a:t>
           </a:r>
           <a:endParaRPr lang="en-US" sz="2300" kern="1200" dirty="0"/>
         </a:p>
@@ -7401,6 +7402,95 @@
 </p:sld>
 </file>
 
+<file path=ppt/slides/slide10.xml><?xml version="1.0" encoding="utf-8"?>
+<p:sld xmlns:a="http://schemas.openxmlformats.org/drawingml/2006/main" xmlns:r="http://schemas.openxmlformats.org/officeDocument/2006/relationships" xmlns:p="http://schemas.openxmlformats.org/presentationml/2006/main">
+  <p:cSld>
+    <p:spTree>
+      <p:nvGrpSpPr>
+        <p:cNvPr id="1" name=""/>
+        <p:cNvGrpSpPr/>
+        <p:nvPr/>
+      </p:nvGrpSpPr>
+      <p:grpSpPr>
+        <a:xfrm>
+          <a:off x="0" y="0"/>
+          <a:ext cx="0" cy="0"/>
+          <a:chOff x="0" y="0"/>
+          <a:chExt cx="0" cy="0"/>
+        </a:xfrm>
+      </p:grpSpPr>
+      <p:sp>
+        <p:nvSpPr>
+          <p:cNvPr id="2" name="Title 1"/>
+          <p:cNvSpPr>
+            <a:spLocks noGrp="1"/>
+          </p:cNvSpPr>
+          <p:nvPr>
+            <p:ph type="title"/>
+          </p:nvPr>
+        </p:nvSpPr>
+        <p:spPr/>
+        <p:txBody>
+          <a:bodyPr/>
+          <a:lstStyle/>
+          <a:p>
+            <a:r>
+              <a:rPr lang="en-US" dirty="0" smtClean="0"/>
+              <a:t>References</a:t>
+            </a:r>
+            <a:endParaRPr lang="en-US" dirty="0"/>
+          </a:p>
+        </p:txBody>
+      </p:sp>
+      <p:sp>
+        <p:nvSpPr>
+          <p:cNvPr id="4" name="Text Placeholder 3"/>
+          <p:cNvSpPr>
+            <a:spLocks noGrp="1"/>
+          </p:cNvSpPr>
+          <p:nvPr>
+            <p:ph type="body" sz="half" idx="2"/>
+          </p:nvPr>
+        </p:nvSpPr>
+        <p:spPr>
+          <a:xfrm>
+            <a:off x="1291818" y="2465294"/>
+            <a:ext cx="7810618" cy="3711669"/>
+          </a:xfrm>
+        </p:spPr>
+        <p:txBody>
+          <a:bodyPr/>
+          <a:lstStyle/>
+          <a:p>
+            <a:endParaRPr lang="en-US" dirty="0"/>
+          </a:p>
+        </p:txBody>
+      </p:sp>
+    </p:spTree>
+    <p:extLst>
+      <p:ext uri="{BB962C8B-B14F-4D97-AF65-F5344CB8AC3E}">
+        <p14:creationId xmlns:p14="http://schemas.microsoft.com/office/powerpoint/2010/main" val="1457430339"/>
+      </p:ext>
+    </p:extLst>
+  </p:cSld>
+  <p:clrMapOvr>
+    <a:masterClrMapping/>
+  </p:clrMapOvr>
+  <mc:AlternateContent xmlns:mc="http://schemas.openxmlformats.org/markup-compatibility/2006" xmlns:p14="http://schemas.microsoft.com/office/powerpoint/2010/main">
+    <mc:Choice Requires="p14">
+      <p:transition spd="med" p14:dur="700">
+        <p:fade/>
+      </p:transition>
+    </mc:Choice>
+    <mc:Fallback xmlns="">
+      <p:transition spd="med">
+        <p:fade/>
+      </p:transition>
+    </mc:Fallback>
+  </mc:AlternateContent>
+</p:sld>
+</file>
+
 <file path=ppt/slides/slide2.xml><?xml version="1.0" encoding="utf-8"?>
 <p:sld xmlns:a="http://schemas.openxmlformats.org/drawingml/2006/main" xmlns:r="http://schemas.openxmlformats.org/officeDocument/2006/relationships" xmlns:p="http://schemas.openxmlformats.org/presentationml/2006/main">
   <p:cSld>
@@ -7664,14 +7754,14 @@
             <p:ph sz="half" idx="2"/>
             <p:extLst>
               <p:ext uri="{D42A27DB-BD31-4B8C-83A1-F6EECF244321}">
-                <p14:modId xmlns:p14="http://schemas.microsoft.com/office/powerpoint/2010/main" val="140804572"/>
+                <p14:modId xmlns:p14="http://schemas.microsoft.com/office/powerpoint/2010/main" val="781611261"/>
               </p:ext>
             </p:extLst>
           </p:nvPr>
         </p:nvGraphicFramePr>
         <p:xfrm>
           <a:off x="1280159" y="2193925"/>
-          <a:ext cx="9629142" cy="4475515"/>
+          <a:ext cx="9629142" cy="4431318"/>
         </p:xfrm>
         <a:graphic>
           <a:graphicData uri="http://schemas.openxmlformats.org/drawingml/2006/table">
@@ -7702,7 +7792,7 @@
                   </a:extLst>
                 </a:gridCol>
               </a:tblGrid>
-              <a:tr h="981462">
+              <a:tr h="1175038">
                 <a:tc>
                   <a:txBody>
                     <a:bodyPr/>
@@ -7764,7 +7854,7 @@
                   </a:ext>
                 </a:extLst>
               </a:tr>
-              <a:tr h="1159909">
+              <a:tr h="1388682">
                 <a:tc>
                   <a:txBody>
                     <a:bodyPr/>
@@ -7825,7 +7915,47 @@
                     <a:lstStyle/>
                     <a:p>
                       <a:pPr algn="ctr"/>
-                      <a:endParaRPr dirty="0"/>
+                      <a:r>
+                        <a:rPr lang="en-AU" sz="1200" dirty="0" smtClean="0">
+                          <a:hlinkClick r:id="rId2"/>
+                        </a:rPr>
+                        <a:t>https://en.wikipedia.org/wiki/Nim</a:t>
+                      </a:r>
+                      <a:endParaRPr lang="en-AU" sz="1200" dirty="0" smtClean="0"/>
+                    </a:p>
+                    <a:p>
+                      <a:pPr algn="ctr"/>
+                      <a:r>
+                        <a:rPr lang="en-AU" sz="1200" dirty="0" smtClean="0"/>
+                        <a:t> </a:t>
+                      </a:r>
+                    </a:p>
+                    <a:p>
+                      <a:pPr algn="ctr"/>
+                      <a:r>
+                        <a:rPr lang="en-AU" sz="1200" dirty="0" smtClean="0">
+                          <a:hlinkClick r:id="rId3"/>
+                        </a:rPr>
+                        <a:t>https://www.youtube.com/watch?v=NqsZ8DD6WHU</a:t>
+                      </a:r>
+                      <a:r>
+                        <a:rPr lang="en-AU" sz="1200" dirty="0" smtClean="0"/>
+                        <a:t> </a:t>
+                      </a:r>
+                    </a:p>
+                    <a:p>
+                      <a:pPr algn="ctr"/>
+                      <a:endParaRPr lang="en-AU" sz="1200" dirty="0" smtClean="0"/>
+                    </a:p>
+                    <a:p>
+                      <a:pPr algn="ctr"/>
+                      <a:r>
+                        <a:rPr lang="en-AU" sz="1200" dirty="0" smtClean="0">
+                          <a:hlinkClick r:id="rId4"/>
+                        </a:rPr>
+                        <a:t>https://plus.maths.org/content/play-win-nim</a:t>
+                      </a:r>
+                      <a:endParaRPr sz="1200" dirty="0"/>
                     </a:p>
                   </a:txBody>
                   <a:tcPr anchor="ctr"/>
@@ -7836,46 +7966,7 @@
                   </a:ext>
                 </a:extLst>
               </a:tr>
-              <a:tr h="682279">
-                <a:tc>
-                  <a:txBody>
-                    <a:bodyPr/>
-                    <a:lstStyle/>
-                    <a:p>
-                      <a:endParaRPr dirty="0"/>
-                    </a:p>
-                  </a:txBody>
-                  <a:tcPr anchor="ctr"/>
-                </a:tc>
-                <a:tc>
-                  <a:txBody>
-                    <a:bodyPr/>
-                    <a:lstStyle/>
-                    <a:p>
-                      <a:pPr algn="ctr"/>
-                      <a:endParaRPr dirty="0"/>
-                    </a:p>
-                  </a:txBody>
-                  <a:tcPr anchor="ctr"/>
-                </a:tc>
-                <a:tc>
-                  <a:txBody>
-                    <a:bodyPr/>
-                    <a:lstStyle/>
-                    <a:p>
-                      <a:pPr algn="ctr"/>
-                      <a:endParaRPr dirty="0"/>
-                    </a:p>
-                  </a:txBody>
-                  <a:tcPr anchor="ctr"/>
-                </a:tc>
-                <a:extLst>
-                  <a:ext uri="{0D108BD9-81ED-4DB2-BD59-A6C34878D82A}">
-                    <a16:rowId xmlns:a16="http://schemas.microsoft.com/office/drawing/2014/main" val="10002"/>
-                  </a:ext>
-                </a:extLst>
-              </a:tr>
-              <a:tr h="799338">
+              <a:tr h="933799">
                 <a:tc>
                   <a:txBody>
                     <a:bodyPr/>
@@ -7922,7 +8013,32 @@
                     <a:lstStyle/>
                     <a:p>
                       <a:pPr algn="ctr"/>
-                      <a:endParaRPr dirty="0"/>
+                      <a:r>
+                        <a:rPr lang="en-AU" sz="1200" dirty="0" smtClean="0">
+                          <a:hlinkClick r:id="rId5"/>
+                        </a:rPr>
+                        <a:t>https://en.wikipedia.org/wiki/Minimax</a:t>
+                      </a:r>
+                    </a:p>
+                    <a:p>
+                      <a:pPr algn="ctr"/>
+                      <a:endParaRPr lang="en-AU" sz="1200" dirty="0" smtClean="0">
+                        <a:hlinkClick r:id="rId5"/>
+                      </a:endParaRPr>
+                    </a:p>
+                    <a:p>
+                      <a:pPr algn="ctr"/>
+                      <a:r>
+                        <a:rPr lang="en-AU" sz="1200" dirty="0" smtClean="0">
+                          <a:hlinkClick r:id="rId5"/>
+                        </a:rPr>
+                        <a:t>https://tonypoer.io/2016/10/28/implementing-minimax-and-alpha-beta-pruning-using-python/</a:t>
+                      </a:r>
+                      <a:r>
+                        <a:rPr lang="en-AU" sz="1200" dirty="0" smtClean="0"/>
+                        <a:t> </a:t>
+                      </a:r>
+                      <a:endParaRPr sz="1200" dirty="0"/>
                     </a:p>
                   </a:txBody>
                   <a:tcPr anchor="ctr"/>
@@ -7933,7 +8049,7 @@
                   </a:ext>
                 </a:extLst>
               </a:tr>
-              <a:tr h="799338">
+              <a:tr h="933799">
                 <a:tc>
                   <a:txBody>
                     <a:bodyPr/>
@@ -8062,25 +8178,6 @@
       </p:sp>
       <p:sp>
         <p:nvSpPr>
-          <p:cNvPr id="3" name="Text Placeholder 2"/>
-          <p:cNvSpPr>
-            <a:spLocks noGrp="1"/>
-          </p:cNvSpPr>
-          <p:nvPr>
-            <p:ph type="body" idx="1"/>
-          </p:nvPr>
-        </p:nvSpPr>
-        <p:spPr/>
-        <p:txBody>
-          <a:bodyPr/>
-          <a:lstStyle/>
-          <a:p>
-            <a:endParaRPr lang="en-US"/>
-          </a:p>
-        </p:txBody>
-      </p:sp>
-      <p:sp>
-        <p:nvSpPr>
           <p:cNvPr id="4" name="Content Placeholder 3"/>
           <p:cNvSpPr>
             <a:spLocks noGrp="1"/>
@@ -8089,12 +8186,53 @@
             <p:ph sz="half" idx="2"/>
           </p:nvPr>
         </p:nvSpPr>
-        <p:spPr/>
-        <p:txBody>
-          <a:bodyPr/>
+        <p:spPr>
+          <a:xfrm>
+            <a:off x="1280160" y="2086496"/>
+            <a:ext cx="9277004" cy="4090468"/>
+          </a:xfrm>
+        </p:spPr>
+        <p:txBody>
+          <a:bodyPr>
+            <a:normAutofit/>
+          </a:bodyPr>
           <a:lstStyle/>
           <a:p>
-            <a:endParaRPr lang="en-US"/>
+            <a:r>
+              <a:rPr lang="en-US" dirty="0" smtClean="0"/>
+              <a:t>The AI needs to be able to model the unpredictable nature of a human player’s moves.</a:t>
+            </a:r>
+          </a:p>
+          <a:p>
+            <a:endParaRPr lang="en-US" dirty="0" smtClean="0"/>
+          </a:p>
+          <a:p>
+            <a:r>
+              <a:rPr lang="en-US" dirty="0" smtClean="0"/>
+              <a:t>The solution needs to involve an interactive environment where both the human player and the AI can interact together.</a:t>
+            </a:r>
+          </a:p>
+          <a:p>
+            <a:endParaRPr lang="en-US" dirty="0" smtClean="0"/>
+          </a:p>
+          <a:p>
+            <a:r>
+              <a:rPr lang="en-US" dirty="0" smtClean="0"/>
+              <a:t>The program needs to be able to handle different cases based on the game mode (normal or </a:t>
+            </a:r>
+            <a:r>
+              <a:rPr lang="en-US" dirty="0" err="1" smtClean="0"/>
+              <a:t>mis</a:t>
+            </a:r>
+            <a:r>
+              <a:rPr lang="en-AU" dirty="0" err="1" smtClean="0"/>
+              <a:t>ère</a:t>
+            </a:r>
+            <a:r>
+              <a:rPr lang="en-AU" dirty="0" smtClean="0"/>
+              <a:t>), where the AI strategy needs to reflect the difference in winning conditions.</a:t>
+            </a:r>
+            <a:endParaRPr lang="en-US" dirty="0" smtClean="0"/>
           </a:p>
         </p:txBody>
       </p:sp>
@@ -8157,6 +8295,100 @@
           <a:p>
             <a:r>
               <a:rPr lang="en-US" dirty="0" smtClean="0"/>
+              <a:t>AI Strategy</a:t>
+            </a:r>
+            <a:endParaRPr lang="en-US" dirty="0"/>
+          </a:p>
+        </p:txBody>
+      </p:sp>
+      <p:sp>
+        <p:nvSpPr>
+          <p:cNvPr id="3" name="TextBox 2"/>
+          <p:cNvSpPr txBox="1"/>
+          <p:nvPr/>
+        </p:nvSpPr>
+        <p:spPr>
+          <a:xfrm>
+            <a:off x="1280159" y="2111434"/>
+            <a:ext cx="8977745" cy="1477328"/>
+          </a:xfrm>
+          <a:prstGeom prst="rect">
+            <a:avLst/>
+          </a:prstGeom>
+          <a:noFill/>
+        </p:spPr>
+        <p:txBody>
+          <a:bodyPr wrap="square" rtlCol="0">
+            <a:spAutoFit/>
+          </a:bodyPr>
+          <a:lstStyle/>
+          <a:p>
+            <a:r>
+              <a:rPr lang="en-AU" dirty="0"/>
+              <a:t>where we can talk about minimax and how it works, also so we can discuss the choice to use full/complete tree generation at the start of the game, rather than using alpha-beta pruning, so the AI always makes an optimal move throughout the game rather than requiring recalculation of the tree after each player move (because the player might make a sub-optimal move and then the AI hasn't calculated that path)</a:t>
+            </a:r>
+          </a:p>
+        </p:txBody>
+      </p:sp>
+    </p:spTree>
+    <p:extLst>
+      <p:ext uri="{BB962C8B-B14F-4D97-AF65-F5344CB8AC3E}">
+        <p14:creationId xmlns:p14="http://schemas.microsoft.com/office/powerpoint/2010/main" val="329461439"/>
+      </p:ext>
+    </p:extLst>
+  </p:cSld>
+  <p:clrMapOvr>
+    <a:masterClrMapping/>
+  </p:clrMapOvr>
+  <mc:AlternateContent xmlns:mc="http://schemas.openxmlformats.org/markup-compatibility/2006" xmlns:p14="http://schemas.microsoft.com/office/powerpoint/2010/main">
+    <mc:Choice Requires="p14">
+      <p:transition spd="med" p14:dur="700">
+        <p:fade/>
+      </p:transition>
+    </mc:Choice>
+    <mc:Fallback xmlns="">
+      <p:transition spd="med">
+        <p:fade/>
+      </p:transition>
+    </mc:Fallback>
+  </mc:AlternateContent>
+</p:sld>
+</file>
+
+<file path=ppt/slides/slide6.xml><?xml version="1.0" encoding="utf-8"?>
+<p:sld xmlns:a="http://schemas.openxmlformats.org/drawingml/2006/main" xmlns:r="http://schemas.openxmlformats.org/officeDocument/2006/relationships" xmlns:p="http://schemas.openxmlformats.org/presentationml/2006/main">
+  <p:cSld>
+    <p:spTree>
+      <p:nvGrpSpPr>
+        <p:cNvPr id="1" name=""/>
+        <p:cNvGrpSpPr/>
+        <p:nvPr/>
+      </p:nvGrpSpPr>
+      <p:grpSpPr>
+        <a:xfrm>
+          <a:off x="0" y="0"/>
+          <a:ext cx="0" cy="0"/>
+          <a:chOff x="0" y="0"/>
+          <a:chExt cx="0" cy="0"/>
+        </a:xfrm>
+      </p:grpSpPr>
+      <p:sp>
+        <p:nvSpPr>
+          <p:cNvPr id="2" name="Title 1"/>
+          <p:cNvSpPr>
+            <a:spLocks noGrp="1"/>
+          </p:cNvSpPr>
+          <p:nvPr>
+            <p:ph type="title"/>
+          </p:nvPr>
+        </p:nvSpPr>
+        <p:spPr/>
+        <p:txBody>
+          <a:bodyPr/>
+          <a:lstStyle/>
+          <a:p>
+            <a:r>
+              <a:rPr lang="en-US" dirty="0" smtClean="0"/>
               <a:t>Our Solution</a:t>
             </a:r>
             <a:endParaRPr lang="en-US" dirty="0"/>
@@ -8173,7 +8405,7 @@
             <p:ph idx="1"/>
             <p:extLst>
               <p:ext uri="{D42A27DB-BD31-4B8C-83A1-F6EECF244321}">
-                <p14:modId xmlns:p14="http://schemas.microsoft.com/office/powerpoint/2010/main" val="694995995"/>
+                <p14:modId xmlns:p14="http://schemas.microsoft.com/office/powerpoint/2010/main" val="2383711397"/>
               </p:ext>
             </p:extLst>
           </p:nvPr>
@@ -8213,71 +8445,6 @@
 </p:sld>
 </file>
 
-<file path=ppt/slides/slide6.xml><?xml version="1.0" encoding="utf-8"?>
-<p:sld xmlns:a="http://schemas.openxmlformats.org/drawingml/2006/main" xmlns:r="http://schemas.openxmlformats.org/officeDocument/2006/relationships" xmlns:p="http://schemas.openxmlformats.org/presentationml/2006/main">
-  <p:cSld>
-    <p:spTree>
-      <p:nvGrpSpPr>
-        <p:cNvPr id="1" name=""/>
-        <p:cNvGrpSpPr/>
-        <p:nvPr/>
-      </p:nvGrpSpPr>
-      <p:grpSpPr>
-        <a:xfrm>
-          <a:off x="0" y="0"/>
-          <a:ext cx="0" cy="0"/>
-          <a:chOff x="0" y="0"/>
-          <a:chExt cx="0" cy="0"/>
-        </a:xfrm>
-      </p:grpSpPr>
-      <p:sp>
-        <p:nvSpPr>
-          <p:cNvPr id="2" name="Title 1"/>
-          <p:cNvSpPr>
-            <a:spLocks noGrp="1"/>
-          </p:cNvSpPr>
-          <p:nvPr>
-            <p:ph type="title"/>
-          </p:nvPr>
-        </p:nvSpPr>
-        <p:spPr/>
-        <p:txBody>
-          <a:bodyPr/>
-          <a:lstStyle/>
-          <a:p>
-            <a:r>
-              <a:rPr lang="en-US" dirty="0" smtClean="0"/>
-              <a:t>Demonstration</a:t>
-            </a:r>
-            <a:endParaRPr lang="en-US" dirty="0"/>
-          </a:p>
-        </p:txBody>
-      </p:sp>
-    </p:spTree>
-    <p:extLst>
-      <p:ext uri="{BB962C8B-B14F-4D97-AF65-F5344CB8AC3E}">
-        <p14:creationId xmlns:p14="http://schemas.microsoft.com/office/powerpoint/2010/main" val="3734198996"/>
-      </p:ext>
-    </p:extLst>
-  </p:cSld>
-  <p:clrMapOvr>
-    <a:masterClrMapping/>
-  </p:clrMapOvr>
-  <mc:AlternateContent xmlns:mc="http://schemas.openxmlformats.org/markup-compatibility/2006" xmlns:p14="http://schemas.microsoft.com/office/powerpoint/2010/main">
-    <mc:Choice Requires="p14">
-      <p:transition spd="med" p14:dur="700">
-        <p:fade/>
-      </p:transition>
-    </mc:Choice>
-    <mc:Fallback xmlns="">
-      <p:transition spd="med">
-        <p:fade/>
-      </p:transition>
-    </mc:Fallback>
-  </mc:AlternateContent>
-</p:sld>
-</file>
-
 <file path=ppt/slides/slide7.xml><?xml version="1.0" encoding="utf-8"?>
 <p:sld xmlns:a="http://schemas.openxmlformats.org/drawingml/2006/main" xmlns:r="http://schemas.openxmlformats.org/officeDocument/2006/relationships" xmlns:p="http://schemas.openxmlformats.org/presentationml/2006/main">
   <p:cSld>
@@ -8312,7 +8479,7 @@
           <a:p>
             <a:r>
               <a:rPr lang="en-US" dirty="0" smtClean="0"/>
-              <a:t>Demonstration - continued</a:t>
+              <a:t>Demonstration</a:t>
             </a:r>
             <a:endParaRPr lang="en-US" dirty="0"/>
           </a:p>
@@ -8321,7 +8488,7 @@
     </p:spTree>
     <p:extLst>
       <p:ext uri="{BB962C8B-B14F-4D97-AF65-F5344CB8AC3E}">
-        <p14:creationId xmlns:p14="http://schemas.microsoft.com/office/powerpoint/2010/main" val="4147373810"/>
+        <p14:creationId xmlns:p14="http://schemas.microsoft.com/office/powerpoint/2010/main" val="3734198996"/>
       </p:ext>
     </p:extLst>
   </p:cSld>
@@ -8377,50 +8544,16 @@
           <a:p>
             <a:r>
               <a:rPr lang="en-US" dirty="0" smtClean="0"/>
-              <a:t>Limitations and constraints</a:t>
+              <a:t>Demonstration - continued</a:t>
             </a:r>
             <a:endParaRPr lang="en-US" dirty="0"/>
-          </a:p>
-        </p:txBody>
-      </p:sp>
-      <p:sp>
-        <p:nvSpPr>
-          <p:cNvPr id="3" name="TextBox 2"/>
-          <p:cNvSpPr txBox="1"/>
-          <p:nvPr/>
-        </p:nvSpPr>
-        <p:spPr>
-          <a:xfrm>
-            <a:off x="1280160" y="2269373"/>
-            <a:ext cx="8952808" cy="369332"/>
-          </a:xfrm>
-          <a:prstGeom prst="rect">
-            <a:avLst/>
-          </a:prstGeom>
-          <a:noFill/>
-        </p:spPr>
-        <p:txBody>
-          <a:bodyPr wrap="square" rtlCol="0">
-            <a:spAutoFit/>
-          </a:bodyPr>
-          <a:lstStyle/>
-          <a:p>
-            <a:pPr marL="285750" indent="-285750">
-              <a:buFont typeface="Wingdings" panose="05000000000000000000" pitchFamily="2" charset="2"/>
-              <a:buChar char="§"/>
-            </a:pPr>
-            <a:r>
-              <a:rPr lang="en-AU" dirty="0" smtClean="0"/>
-              <a:t>Large number of heaps/rows is very computationally expensive</a:t>
-            </a:r>
-            <a:endParaRPr lang="en-AU" dirty="0"/>
           </a:p>
         </p:txBody>
       </p:sp>
     </p:spTree>
     <p:extLst>
       <p:ext uri="{BB962C8B-B14F-4D97-AF65-F5344CB8AC3E}">
-        <p14:creationId xmlns:p14="http://schemas.microsoft.com/office/powerpoint/2010/main" val="2902466307"/>
+        <p14:creationId xmlns:p14="http://schemas.microsoft.com/office/powerpoint/2010/main" val="4147373810"/>
       </p:ext>
     </p:extLst>
   </p:cSld>
@@ -8476,7 +8609,7 @@
           <a:p>
             <a:r>
               <a:rPr lang="en-US" dirty="0" smtClean="0"/>
-              <a:t>References</a:t>
+              <a:t>Limitations and constraints</a:t>
             </a:r>
             <a:endParaRPr lang="en-US" dirty="0"/>
           </a:p>
@@ -8484,32 +8617,42 @@
       </p:sp>
       <p:sp>
         <p:nvSpPr>
-          <p:cNvPr id="4" name="Text Placeholder 3"/>
-          <p:cNvSpPr>
-            <a:spLocks noGrp="1"/>
-          </p:cNvSpPr>
-          <p:nvPr>
-            <p:ph type="body" sz="half" idx="2"/>
-          </p:nvPr>
+          <p:cNvPr id="3" name="TextBox 2"/>
+          <p:cNvSpPr txBox="1"/>
+          <p:nvPr/>
         </p:nvSpPr>
         <p:spPr>
           <a:xfrm>
-            <a:off x="1291818" y="2465294"/>
-            <a:ext cx="7810618" cy="3711669"/>
+            <a:off x="1280160" y="2269373"/>
+            <a:ext cx="8952808" cy="369332"/>
           </a:xfrm>
+          <a:prstGeom prst="rect">
+            <a:avLst/>
+          </a:prstGeom>
+          <a:noFill/>
         </p:spPr>
         <p:txBody>
-          <a:bodyPr/>
+          <a:bodyPr wrap="square" rtlCol="0">
+            <a:spAutoFit/>
+          </a:bodyPr>
           <a:lstStyle/>
           <a:p>
-            <a:endParaRPr lang="en-US" dirty="0"/>
+            <a:pPr marL="285750" indent="-285750">
+              <a:buFont typeface="Wingdings" panose="05000000000000000000" pitchFamily="2" charset="2"/>
+              <a:buChar char="§"/>
+            </a:pPr>
+            <a:r>
+              <a:rPr lang="en-AU" dirty="0" smtClean="0"/>
+              <a:t>Large number of heaps/rows is very computationally expensive</a:t>
+            </a:r>
+            <a:endParaRPr lang="en-AU" dirty="0"/>
           </a:p>
         </p:txBody>
       </p:sp>
     </p:spTree>
     <p:extLst>
       <p:ext uri="{BB962C8B-B14F-4D97-AF65-F5344CB8AC3E}">
-        <p14:creationId xmlns:p14="http://schemas.microsoft.com/office/powerpoint/2010/main" val="1457430339"/>
+        <p14:creationId xmlns:p14="http://schemas.microsoft.com/office/powerpoint/2010/main" val="2902466307"/>
       </p:ext>
     </p:extLst>
   </p:cSld>
